--- a/HBO Keuzedeel/Sleep.pptx
+++ b/HBO Keuzedeel/Sleep.pptx
@@ -113,6 +113,11 @@
       </a:defRPr>
     </a:lvl9pPr>
   </p:defaultTextStyle>
+  <p:extLst>
+    <p:ext uri="{EFAFB233-063F-42B5-8137-9DF3F51BA10A}">
+      <p15:sldGuideLst xmlns:p15="http://schemas.microsoft.com/office/powerpoint/2012/main"/>
+    </p:ext>
+  </p:extLst>
 </p:presentation>
 </file>
 
@@ -198,7 +203,7 @@
           <a:p>
             <a:fld id="{CFEB2539-F8BA-4FD9-9179-660616841560}" type="datetimeFigureOut">
               <a:rPr lang="nl-NL" smtClean="0"/>
-              <a:t>27-1-2022</a:t>
+              <a:t>28-1-2022</a:t>
             </a:fld>
             <a:endParaRPr lang="nl-NL"/>
           </a:p>
@@ -947,7 +952,7 @@
           <a:p>
             <a:fld id="{8E1C504D-1F41-4AD4-AB96-F9F4F95C5902}" type="datetimeFigureOut">
               <a:rPr lang="nl-NL" smtClean="0"/>
-              <a:t>27-1-2022</a:t>
+              <a:t>28-1-2022</a:t>
             </a:fld>
             <a:endParaRPr lang="nl-NL"/>
           </a:p>
@@ -1281,7 +1286,7 @@
           <a:p>
             <a:fld id="{8E1C504D-1F41-4AD4-AB96-F9F4F95C5902}" type="datetimeFigureOut">
               <a:rPr lang="nl-NL" smtClean="0"/>
-              <a:t>27-1-2022</a:t>
+              <a:t>28-1-2022</a:t>
             </a:fld>
             <a:endParaRPr lang="nl-NL"/>
           </a:p>
@@ -1559,7 +1564,7 @@
           <a:p>
             <a:fld id="{8E1C504D-1F41-4AD4-AB96-F9F4F95C5902}" type="datetimeFigureOut">
               <a:rPr lang="nl-NL" smtClean="0"/>
-              <a:t>27-1-2022</a:t>
+              <a:t>28-1-2022</a:t>
             </a:fld>
             <a:endParaRPr lang="nl-NL"/>
           </a:p>
@@ -2127,7 +2132,7 @@
           <a:p>
             <a:fld id="{8E1C504D-1F41-4AD4-AB96-F9F4F95C5902}" type="datetimeFigureOut">
               <a:rPr lang="nl-NL" smtClean="0"/>
-              <a:t>27-1-2022</a:t>
+              <a:t>28-1-2022</a:t>
             </a:fld>
             <a:endParaRPr lang="nl-NL"/>
           </a:p>
@@ -2405,7 +2410,7 @@
           <a:p>
             <a:fld id="{8E1C504D-1F41-4AD4-AB96-F9F4F95C5902}" type="datetimeFigureOut">
               <a:rPr lang="nl-NL" smtClean="0"/>
-              <a:t>27-1-2022</a:t>
+              <a:t>28-1-2022</a:t>
             </a:fld>
             <a:endParaRPr lang="nl-NL"/>
           </a:p>
@@ -2967,7 +2972,7 @@
           <a:p>
             <a:fld id="{8E1C504D-1F41-4AD4-AB96-F9F4F95C5902}" type="datetimeFigureOut">
               <a:rPr lang="nl-NL" smtClean="0"/>
-              <a:t>27-1-2022</a:t>
+              <a:t>28-1-2022</a:t>
             </a:fld>
             <a:endParaRPr lang="nl-NL"/>
           </a:p>
@@ -3294,7 +3299,7 @@
           <a:p>
             <a:fld id="{8E1C504D-1F41-4AD4-AB96-F9F4F95C5902}" type="datetimeFigureOut">
               <a:rPr lang="nl-NL" smtClean="0"/>
-              <a:t>27-1-2022</a:t>
+              <a:t>28-1-2022</a:t>
             </a:fld>
             <a:endParaRPr lang="nl-NL"/>
           </a:p>
@@ -3471,7 +3476,7 @@
           <a:p>
             <a:fld id="{8E1C504D-1F41-4AD4-AB96-F9F4F95C5902}" type="datetimeFigureOut">
               <a:rPr lang="nl-NL" smtClean="0"/>
-              <a:t>27-1-2022</a:t>
+              <a:t>28-1-2022</a:t>
             </a:fld>
             <a:endParaRPr lang="nl-NL"/>
           </a:p>
@@ -3709,7 +3714,7 @@
           <a:p>
             <a:fld id="{8E1C504D-1F41-4AD4-AB96-F9F4F95C5902}" type="datetimeFigureOut">
               <a:rPr lang="nl-NL" smtClean="0"/>
-              <a:t>27-1-2022</a:t>
+              <a:t>28-1-2022</a:t>
             </a:fld>
             <a:endParaRPr lang="nl-NL"/>
           </a:p>
@@ -3909,7 +3914,7 @@
           <a:p>
             <a:fld id="{8E1C504D-1F41-4AD4-AB96-F9F4F95C5902}" type="datetimeFigureOut">
               <a:rPr lang="nl-NL" smtClean="0"/>
-              <a:t>27-1-2022</a:t>
+              <a:t>28-1-2022</a:t>
             </a:fld>
             <a:endParaRPr lang="nl-NL"/>
           </a:p>
@@ -4185,7 +4190,7 @@
           <a:p>
             <a:fld id="{8E1C504D-1F41-4AD4-AB96-F9F4F95C5902}" type="datetimeFigureOut">
               <a:rPr lang="nl-NL" smtClean="0"/>
-              <a:t>27-1-2022</a:t>
+              <a:t>28-1-2022</a:t>
             </a:fld>
             <a:endParaRPr lang="nl-NL"/>
           </a:p>
@@ -4451,7 +4456,7 @@
           <a:p>
             <a:fld id="{8E1C504D-1F41-4AD4-AB96-F9F4F95C5902}" type="datetimeFigureOut">
               <a:rPr lang="nl-NL" smtClean="0"/>
-              <a:t>27-1-2022</a:t>
+              <a:t>28-1-2022</a:t>
             </a:fld>
             <a:endParaRPr lang="nl-NL"/>
           </a:p>
@@ -4825,7 +4830,7 @@
           <a:p>
             <a:fld id="{8E1C504D-1F41-4AD4-AB96-F9F4F95C5902}" type="datetimeFigureOut">
               <a:rPr lang="nl-NL" smtClean="0"/>
-              <a:t>27-1-2022</a:t>
+              <a:t>28-1-2022</a:t>
             </a:fld>
             <a:endParaRPr lang="nl-NL"/>
           </a:p>
@@ -4973,7 +4978,7 @@
           <a:p>
             <a:fld id="{8E1C504D-1F41-4AD4-AB96-F9F4F95C5902}" type="datetimeFigureOut">
               <a:rPr lang="nl-NL" smtClean="0"/>
-              <a:t>27-1-2022</a:t>
+              <a:t>28-1-2022</a:t>
             </a:fld>
             <a:endParaRPr lang="nl-NL"/>
           </a:p>
@@ -5098,7 +5103,7 @@
           <a:p>
             <a:fld id="{8E1C504D-1F41-4AD4-AB96-F9F4F95C5902}" type="datetimeFigureOut">
               <a:rPr lang="nl-NL" smtClean="0"/>
-              <a:t>27-1-2022</a:t>
+              <a:t>28-1-2022</a:t>
             </a:fld>
             <a:endParaRPr lang="nl-NL"/>
           </a:p>
@@ -5383,7 +5388,7 @@
           <a:p>
             <a:fld id="{8E1C504D-1F41-4AD4-AB96-F9F4F95C5902}" type="datetimeFigureOut">
               <a:rPr lang="nl-NL" smtClean="0"/>
-              <a:t>27-1-2022</a:t>
+              <a:t>28-1-2022</a:t>
             </a:fld>
             <a:endParaRPr lang="nl-NL"/>
           </a:p>
@@ -5707,7 +5712,7 @@
           <a:p>
             <a:fld id="{8E1C504D-1F41-4AD4-AB96-F9F4F95C5902}" type="datetimeFigureOut">
               <a:rPr lang="nl-NL" smtClean="0"/>
-              <a:t>27-1-2022</a:t>
+              <a:t>28-1-2022</a:t>
             </a:fld>
             <a:endParaRPr lang="nl-NL"/>
           </a:p>
@@ -5921,7 +5926,7 @@
           <a:p>
             <a:fld id="{8E1C504D-1F41-4AD4-AB96-F9F4F95C5902}" type="datetimeFigureOut">
               <a:rPr lang="nl-NL" smtClean="0"/>
-              <a:t>27-1-2022</a:t>
+              <a:t>28-1-2022</a:t>
             </a:fld>
             <a:endParaRPr lang="nl-NL"/>
           </a:p>
@@ -8496,6 +8501,15 @@
               <a:defRPr/>
             </a:pPr>
             <a:r>
+              <a:rPr lang="nl-NL" sz="6000" noProof="1">
+                <a:solidFill>
+                  <a:prstClr val="white"/>
+                </a:solidFill>
+                <a:latin typeface="Arial Black" panose="020B0A04020102020204" pitchFamily="34" charset="0"/>
+              </a:rPr>
+              <a:t>REM</a:t>
+            </a:r>
+            <a:r>
               <a:rPr kumimoji="0" lang="nl-NL" sz="6000" b="0" i="0" u="none" strike="noStrike" kern="1200" cap="none" spc="0" normalizeH="0" baseline="0" noProof="1">
                 <a:ln>
                   <a:noFill/>
@@ -8510,7 +8524,7 @@
                 <a:ea typeface="+mn-ea"/>
                 <a:cs typeface="+mn-cs"/>
               </a:rPr>
-              <a:t>Diepe slaap</a:t>
+              <a:t> slaap</a:t>
             </a:r>
             <a:endParaRPr kumimoji="0" lang="nl-NL" sz="1800" b="0" i="0" u="none" strike="noStrike" kern="1200" cap="none" spc="0" normalizeH="0" baseline="0" noProof="1">
               <a:ln>
